--- a/CNNs in Practice.pptx
+++ b/CNNs in Practice.pptx
@@ -116,6 +116,11 @@
       </a:defRPr>
     </a:lvl9pPr>
   </p:defaultTextStyle>
+  <p:extLst>
+    <p:ext uri="{EFAFB233-063F-42B5-8137-9DF3F51BA10A}">
+      <p15:sldGuideLst xmlns:p15="http://schemas.microsoft.com/office/powerpoint/2012/main"/>
+    </p:ext>
+  </p:extLst>
 </p:presentation>
 </file>
 
@@ -841,7 +846,7 @@
           <a:p>
             <a:fld id="{B59772C9-2A34-4402-9FB9-02F45B617C5A}" type="datetimeFigureOut">
               <a:rPr lang="zh-TW" altLang="en-US" smtClean="0"/>
-              <a:t>2017/4/10</a:t>
+              <a:t>2017/4/11</a:t>
             </a:fld>
             <a:endParaRPr lang="zh-TW" altLang="en-US"/>
           </a:p>
@@ -1092,7 +1097,7 @@
           <a:p>
             <a:fld id="{B59772C9-2A34-4402-9FB9-02F45B617C5A}" type="datetimeFigureOut">
               <a:rPr lang="zh-TW" altLang="en-US" smtClean="0"/>
-              <a:t>2017/4/10</a:t>
+              <a:t>2017/4/11</a:t>
             </a:fld>
             <a:endParaRPr lang="zh-TW" altLang="en-US"/>
           </a:p>
@@ -1406,7 +1411,7 @@
           <a:p>
             <a:fld id="{B59772C9-2A34-4402-9FB9-02F45B617C5A}" type="datetimeFigureOut">
               <a:rPr lang="zh-TW" altLang="en-US" smtClean="0"/>
-              <a:t>2017/4/10</a:t>
+              <a:t>2017/4/11</a:t>
             </a:fld>
             <a:endParaRPr lang="zh-TW" altLang="en-US"/>
           </a:p>
@@ -1747,7 +1752,7 @@
           <a:p>
             <a:fld id="{B59772C9-2A34-4402-9FB9-02F45B617C5A}" type="datetimeFigureOut">
               <a:rPr lang="zh-TW" altLang="en-US" smtClean="0"/>
-              <a:t>2017/4/10</a:t>
+              <a:t>2017/4/11</a:t>
             </a:fld>
             <a:endParaRPr lang="zh-TW" altLang="en-US"/>
           </a:p>
@@ -2061,7 +2066,7 @@
           <a:p>
             <a:fld id="{B59772C9-2A34-4402-9FB9-02F45B617C5A}" type="datetimeFigureOut">
               <a:rPr lang="zh-TW" altLang="en-US" smtClean="0"/>
-              <a:t>2017/4/10</a:t>
+              <a:t>2017/4/11</a:t>
             </a:fld>
             <a:endParaRPr lang="zh-TW" altLang="en-US"/>
           </a:p>
@@ -2454,7 +2459,7 @@
           <a:p>
             <a:fld id="{B59772C9-2A34-4402-9FB9-02F45B617C5A}" type="datetimeFigureOut">
               <a:rPr lang="zh-TW" altLang="en-US" smtClean="0"/>
-              <a:t>2017/4/10</a:t>
+              <a:t>2017/4/11</a:t>
             </a:fld>
             <a:endParaRPr lang="zh-TW" altLang="en-US"/>
           </a:p>
@@ -2624,7 +2629,7 @@
           <a:p>
             <a:fld id="{B59772C9-2A34-4402-9FB9-02F45B617C5A}" type="datetimeFigureOut">
               <a:rPr lang="zh-TW" altLang="en-US" smtClean="0"/>
-              <a:t>2017/4/10</a:t>
+              <a:t>2017/4/11</a:t>
             </a:fld>
             <a:endParaRPr lang="zh-TW" altLang="en-US"/>
           </a:p>
@@ -2804,7 +2809,7 @@
           <a:p>
             <a:fld id="{B59772C9-2A34-4402-9FB9-02F45B617C5A}" type="datetimeFigureOut">
               <a:rPr lang="zh-TW" altLang="en-US" smtClean="0"/>
-              <a:t>2017/4/10</a:t>
+              <a:t>2017/4/11</a:t>
             </a:fld>
             <a:endParaRPr lang="zh-TW" altLang="en-US"/>
           </a:p>
@@ -2980,7 +2985,7 @@
           <a:p>
             <a:fld id="{B59772C9-2A34-4402-9FB9-02F45B617C5A}" type="datetimeFigureOut">
               <a:rPr lang="zh-TW" altLang="en-US" smtClean="0"/>
-              <a:t>2017/4/10</a:t>
+              <a:t>2017/4/11</a:t>
             </a:fld>
             <a:endParaRPr lang="zh-TW" altLang="en-US"/>
           </a:p>
@@ -3227,7 +3232,7 @@
           <a:p>
             <a:fld id="{B59772C9-2A34-4402-9FB9-02F45B617C5A}" type="datetimeFigureOut">
               <a:rPr lang="zh-TW" altLang="en-US" smtClean="0"/>
-              <a:t>2017/4/10</a:t>
+              <a:t>2017/4/11</a:t>
             </a:fld>
             <a:endParaRPr lang="zh-TW" altLang="en-US"/>
           </a:p>
@@ -3459,7 +3464,7 @@
           <a:p>
             <a:fld id="{B59772C9-2A34-4402-9FB9-02F45B617C5A}" type="datetimeFigureOut">
               <a:rPr lang="zh-TW" altLang="en-US" smtClean="0"/>
-              <a:t>2017/4/10</a:t>
+              <a:t>2017/4/11</a:t>
             </a:fld>
             <a:endParaRPr lang="zh-TW" altLang="en-US"/>
           </a:p>
@@ -3833,7 +3838,7 @@
           <a:p>
             <a:fld id="{B59772C9-2A34-4402-9FB9-02F45B617C5A}" type="datetimeFigureOut">
               <a:rPr lang="zh-TW" altLang="en-US" smtClean="0"/>
-              <a:t>2017/4/10</a:t>
+              <a:t>2017/4/11</a:t>
             </a:fld>
             <a:endParaRPr lang="zh-TW" altLang="en-US"/>
           </a:p>
@@ -3956,7 +3961,7 @@
           <a:p>
             <a:fld id="{B59772C9-2A34-4402-9FB9-02F45B617C5A}" type="datetimeFigureOut">
               <a:rPr lang="zh-TW" altLang="en-US" smtClean="0"/>
-              <a:t>2017/4/10</a:t>
+              <a:t>2017/4/11</a:t>
             </a:fld>
             <a:endParaRPr lang="zh-TW" altLang="en-US"/>
           </a:p>
@@ -4051,7 +4056,7 @@
           <a:p>
             <a:fld id="{B59772C9-2A34-4402-9FB9-02F45B617C5A}" type="datetimeFigureOut">
               <a:rPr lang="zh-TW" altLang="en-US" smtClean="0"/>
-              <a:t>2017/4/10</a:t>
+              <a:t>2017/4/11</a:t>
             </a:fld>
             <a:endParaRPr lang="zh-TW" altLang="en-US"/>
           </a:p>
@@ -4306,7 +4311,7 @@
           <a:p>
             <a:fld id="{B59772C9-2A34-4402-9FB9-02F45B617C5A}" type="datetimeFigureOut">
               <a:rPr lang="zh-TW" altLang="en-US" smtClean="0"/>
-              <a:t>2017/4/10</a:t>
+              <a:t>2017/4/11</a:t>
             </a:fld>
             <a:endParaRPr lang="zh-TW" altLang="en-US"/>
           </a:p>
@@ -4569,7 +4574,7 @@
           <a:p>
             <a:fld id="{B59772C9-2A34-4402-9FB9-02F45B617C5A}" type="datetimeFigureOut">
               <a:rPr lang="zh-TW" altLang="en-US" smtClean="0"/>
-              <a:t>2017/4/10</a:t>
+              <a:t>2017/4/11</a:t>
             </a:fld>
             <a:endParaRPr lang="zh-TW" altLang="en-US"/>
           </a:p>
@@ -5312,7 +5317,7 @@
           <a:p>
             <a:fld id="{B59772C9-2A34-4402-9FB9-02F45B617C5A}" type="datetimeFigureOut">
               <a:rPr lang="zh-TW" altLang="en-US" smtClean="0"/>
-              <a:t>2017/4/10</a:t>
+              <a:t>2017/4/11</a:t>
             </a:fld>
             <a:endParaRPr lang="zh-TW" altLang="en-US"/>
           </a:p>
@@ -6328,8 +6333,8 @@
         </p:nvSpPr>
         <p:spPr bwMode="auto">
           <a:xfrm>
-            <a:off x="762347" y="1930400"/>
-            <a:ext cx="9865975" cy="3970318"/>
+            <a:off x="803911" y="2014925"/>
+            <a:ext cx="9865975" cy="3108543"/>
           </a:xfrm>
           <a:prstGeom prst="rect">
             <a:avLst/>
@@ -6404,7 +6409,7 @@
                 <a:effectLst/>
                 <a:latin typeface="Arial Unicode MS"/>
               </a:rPr>
-              <a:t>CPU有1~16個高速核心，對串行處理的比較好 GPU有很多個低速核心，對並行處理的比較好對於CPU，一個線程在讀取和預處理數據，</a:t>
+              <a:t>CPU有1~16個高速核心，對串行處理的比較好 </a:t>
             </a:r>
             <a:endParaRPr kumimoji="0" lang="en-US" altLang="zh-TW" sz="2800" b="0" i="0" u="none" strike="noStrike" cap="none" normalizeH="0" baseline="0" dirty="0" smtClean="0">
               <a:ln>
@@ -6434,19 +6439,6 @@
               <a:buNone/>
               <a:tabLst/>
             </a:pPr>
-            <a:r>
-              <a:rPr kumimoji="0" lang="zh-TW" altLang="zh-TW" sz="2800" b="0" i="0" u="none" strike="noStrike" cap="none" normalizeH="0" baseline="0" dirty="0" smtClean="0">
-                <a:ln>
-                  <a:noFill/>
-                </a:ln>
-                <a:solidFill>
-                  <a:schemeClr val="tx1"/>
-                </a:solidFill>
-                <a:effectLst/>
-                <a:latin typeface="Arial Unicode MS"/>
-              </a:rPr>
-              <a:t>一個線程在發送數據給GPU 實際中會把所有的圖像預處理轉成一個很長的pixel序列，雖然會佔用很大空間，但是實際中還是會這樣做</a:t>
-            </a:r>
             <a:endParaRPr kumimoji="0" lang="en-US" altLang="zh-TW" sz="2800" b="0" i="0" u="none" strike="noStrike" cap="none" normalizeH="0" baseline="0" dirty="0" smtClean="0">
               <a:ln>
                 <a:noFill/>
@@ -6486,7 +6478,137 @@
                 <a:effectLst/>
                 <a:latin typeface="Arial Unicode MS"/>
               </a:rPr>
-              <a:t> 在深度學習中一般還是用32位浮點數而不是64位，這是為了提高計算速率和可存儲的數字的數量 16位浮點數可能會更快，但是更可能會有數值精度問題</a:t>
+              <a:t>GPU</a:t>
+            </a:r>
+            <a:r>
+              <a:rPr kumimoji="0" lang="en-US" altLang="zh-TW" sz="2800" b="0" i="0" u="none" strike="noStrike" cap="none" normalizeH="0" baseline="0" smtClean="0">
+                <a:ln>
+                  <a:noFill/>
+                </a:ln>
+                <a:solidFill>
+                  <a:schemeClr val="tx1"/>
+                </a:solidFill>
+                <a:effectLst/>
+                <a:latin typeface="Arial Unicode MS"/>
+              </a:rPr>
+              <a:t>(CUDA)</a:t>
+            </a:r>
+            <a:r>
+              <a:rPr kumimoji="0" lang="zh-TW" altLang="zh-TW" sz="2800" b="0" i="0" u="none" strike="noStrike" cap="none" normalizeH="0" baseline="0" smtClean="0">
+                <a:ln>
+                  <a:noFill/>
+                </a:ln>
+                <a:solidFill>
+                  <a:schemeClr val="tx1"/>
+                </a:solidFill>
+                <a:effectLst/>
+                <a:latin typeface="Arial Unicode MS"/>
+              </a:rPr>
+              <a:t>有</a:t>
+            </a:r>
+            <a:r>
+              <a:rPr kumimoji="0" lang="zh-TW" altLang="zh-TW" sz="2800" b="0" i="0" u="none" strike="noStrike" cap="none" normalizeH="0" baseline="0" dirty="0" smtClean="0">
+                <a:ln>
+                  <a:noFill/>
+                </a:ln>
+                <a:solidFill>
+                  <a:schemeClr val="tx1"/>
+                </a:solidFill>
+                <a:effectLst/>
+                <a:latin typeface="Arial Unicode MS"/>
+              </a:rPr>
+              <a:t>很多個低速核心，對並行處理的比較好對於CP</a:t>
+            </a:r>
+            <a:r>
+              <a:rPr kumimoji="0" lang="zh-TW" altLang="zh-TW" sz="2800" b="0" i="0" u="none" strike="noStrike" cap="none" normalizeH="0" baseline="0" dirty="0" smtClean="0">
+                <a:ln>
+                  <a:noFill/>
+                </a:ln>
+                <a:solidFill>
+                  <a:schemeClr val="tx1"/>
+                </a:solidFill>
+                <a:effectLst/>
+                <a:latin typeface="Arial Unicode MS"/>
+              </a:rPr>
+              <a:t>U</a:t>
+            </a:r>
+            <a:endParaRPr lang="en-US" altLang="zh-TW" sz="2800" dirty="0">
+              <a:solidFill>
+                <a:schemeClr val="tx1"/>
+              </a:solidFill>
+              <a:latin typeface="Arial Unicode MS"/>
+            </a:endParaRPr>
+          </a:p>
+          <a:p>
+            <a:pPr marL="0" marR="0" lvl="0" indent="0" algn="l" defTabSz="914400" rtl="0" eaLnBrk="0" fontAlgn="base" latinLnBrk="0" hangingPunct="0">
+              <a:lnSpc>
+                <a:spcPct val="100000"/>
+              </a:lnSpc>
+              <a:spcBef>
+                <a:spcPct val="0"/>
+              </a:spcBef>
+              <a:spcAft>
+                <a:spcPct val="0"/>
+              </a:spcAft>
+              <a:buClrTx/>
+              <a:buSzTx/>
+              <a:buFontTx/>
+              <a:buNone/>
+              <a:tabLst/>
+            </a:pPr>
+            <a:endParaRPr kumimoji="0" lang="en-US" altLang="zh-TW" sz="2800" b="0" i="0" u="none" strike="noStrike" cap="none" normalizeH="0" baseline="0" dirty="0" smtClean="0">
+              <a:ln>
+                <a:noFill/>
+              </a:ln>
+              <a:solidFill>
+                <a:schemeClr val="tx1"/>
+              </a:solidFill>
+              <a:effectLst/>
+              <a:latin typeface="Arial Unicode MS"/>
+            </a:endParaRPr>
+          </a:p>
+          <a:p>
+            <a:pPr marL="0" marR="0" lvl="0" indent="0" algn="l" defTabSz="914400" rtl="0" eaLnBrk="0" fontAlgn="base" latinLnBrk="0" hangingPunct="0">
+              <a:lnSpc>
+                <a:spcPct val="100000"/>
+              </a:lnSpc>
+              <a:spcBef>
+                <a:spcPct val="0"/>
+              </a:spcBef>
+              <a:spcAft>
+                <a:spcPct val="0"/>
+              </a:spcAft>
+              <a:buClrTx/>
+              <a:buSzTx/>
+              <a:buFontTx/>
+              <a:buNone/>
+              <a:tabLst/>
+            </a:pPr>
+            <a:r>
+              <a:rPr kumimoji="0" lang="zh-TW" altLang="zh-TW" sz="2800" b="0" i="0" u="none" strike="noStrike" cap="none" normalizeH="0" baseline="0" dirty="0" smtClean="0">
+                <a:ln>
+                  <a:noFill/>
+                </a:ln>
+                <a:solidFill>
+                  <a:schemeClr val="tx1"/>
+                </a:solidFill>
+                <a:effectLst/>
+                <a:latin typeface="Arial Unicode MS"/>
+              </a:rPr>
+              <a:t>在</a:t>
+            </a:r>
+            <a:r>
+              <a:rPr kumimoji="0" lang="zh-TW" altLang="zh-TW" sz="2800" b="0" i="0" u="none" strike="noStrike" cap="none" normalizeH="0" baseline="0" dirty="0" smtClean="0">
+                <a:ln>
+                  <a:noFill/>
+                </a:ln>
+                <a:solidFill>
+                  <a:schemeClr val="tx1"/>
+                </a:solidFill>
+                <a:effectLst/>
+                <a:latin typeface="Arial Unicode MS"/>
+              </a:rPr>
+              <a:t>深度學習中一般還是用32位浮點數而不是64位，這是為了提高計算速率和可存儲的數字的數量 16位浮點數可能會更快，但是更可能會有數值精度問題</a:t>
             </a:r>
             <a:endParaRPr kumimoji="0" lang="zh-TW" altLang="zh-TW" sz="5400" b="0" i="0" u="none" strike="noStrike" cap="none" normalizeH="0" baseline="0" dirty="0" smtClean="0">
               <a:ln>
